--- a/HEALTH_TEETH_최종발표.pptx
+++ b/HEALTH_TEETH_최종발표.pptx
@@ -1,16 +1,16 @@
 
 <file path=ppt/presentation.xml><?xml version="1.0" encoding="utf-8"?>
-<p:presentation xmlns:a="http://schemas.openxmlformats.org/drawingml/2006/main" xmlns:r="http://schemas.openxmlformats.org/officeDocument/2006/relationships" xmlns:p="http://schemas.openxmlformats.org/presentationml/2006/main" saveSubsetFonts="1">
+<p:presentation xmlns:r="http://schemas.openxmlformats.org/officeDocument/2006/relationships" xmlns:c="http://schemas.openxmlformats.org/drawingml/2006/chart" xmlns:a="http://schemas.openxmlformats.org/drawingml/2006/main" xmlns:dgm="http://schemas.openxmlformats.org/drawingml/2006/diagram" xmlns:dsp="http://schemas.microsoft.com/office/drawing/2008/diagram" xmlns:p="http://schemas.openxmlformats.org/presentationml/2006/main" saveSubsetFonts="1">
   <p:sldMasterIdLst>
-    <p:sldMasterId id="2147483648" r:id="rId1"/>
+    <p:sldMasterId id="2147483661" r:id="rId1"/>
   </p:sldMasterIdLst>
   <p:sldIdLst>
     <p:sldId id="256" r:id="rId2"/>
-    <p:sldId id="266" r:id="rId3"/>
-    <p:sldId id="265" r:id="rId4"/>
-    <p:sldId id="264" r:id="rId5"/>
-    <p:sldId id="261" r:id="rId6"/>
-    <p:sldId id="262" r:id="rId7"/>
+    <p:sldId id="257" r:id="rId3"/>
+    <p:sldId id="258" r:id="rId4"/>
+    <p:sldId id="259" r:id="rId5"/>
+    <p:sldId id="260" r:id="rId6"/>
+    <p:sldId id="261" r:id="rId7"/>
   </p:sldIdLst>
   <p:sldSz cx="12192000" cy="6858000"/>
   <p:notesSz cx="6858000" cy="9144000"/>
@@ -109,11 +109,6 @@
       </a:defRPr>
     </a:lvl9pPr>
   </p:defaultTextStyle>
-  <p:extLst>
-    <p:ext uri="{EFAFB233-063F-42B5-8137-9DF3F51BA10A}">
-      <p15:sldGuideLst xmlns:p15="http://schemas.microsoft.com/office/powerpoint/2012/main"/>
-    </p:ext>
-  </p:extLst>
 </p:presentation>
 </file>
 
@@ -8469,16 +8464,15 @@
 </file>
 
 <file path=ppt/slides/slide6.xml><?xml version="1.0" encoding="utf-8"?>
-<p:sld xmlns:a="http://schemas.openxmlformats.org/drawingml/2006/main" xmlns:r="http://schemas.openxmlformats.org/officeDocument/2006/relationships" xmlns:p="http://schemas.openxmlformats.org/presentationml/2006/main">
+<p:sld xmlns:r="http://schemas.openxmlformats.org/officeDocument/2006/relationships" xmlns:c="http://schemas.openxmlformats.org/drawingml/2006/chart" xmlns:a="http://schemas.openxmlformats.org/drawingml/2006/main" xmlns:dgm="http://schemas.openxmlformats.org/drawingml/2006/diagram" xmlns:dsp="http://schemas.microsoft.com/office/drawing/2008/diagram" xmlns:p="http://schemas.openxmlformats.org/presentationml/2006/main">
   <p:cSld>
     <p:bg>
-      <p:bgPr>
+      <p:bgPr shadeToTitle="0">
         <a:solidFill>
           <a:schemeClr val="bg2">
             <a:lumMod val="50000"/>
           </a:schemeClr>
         </a:solidFill>
-        <a:effectLst/>
       </p:bgPr>
     </p:bg>
     <p:spTree>
@@ -8502,7 +8496,7 @@
           <p:nvPr/>
         </p:nvGrpSpPr>
         <p:grpSpPr>
-          <a:xfrm>
+          <a:xfrm rot="0">
             <a:off x="4146550" y="2066924"/>
             <a:ext cx="3898900" cy="3898900"/>
             <a:chOff x="4158302" y="1476052"/>
@@ -8516,7 +8510,7 @@
             <p:nvPr/>
           </p:nvGrpSpPr>
           <p:grpSpPr>
-            <a:xfrm>
+            <a:xfrm rot="0">
               <a:off x="4158302" y="1476052"/>
               <a:ext cx="3898900" cy="3898900"/>
               <a:chOff x="2809795" y="1494971"/>
@@ -8563,7 +8557,7 @@
               </a:fontRef>
             </p:style>
             <p:txBody>
-              <a:bodyPr rtlCol="0" anchor="ctr"/>
+              <a:bodyPr anchor="ctr"/>
               <a:lstStyle>
                 <a:defPPr>
                   <a:defRPr lang="ko-KR"/>
@@ -8660,7 +8654,9 @@
                 </a:lvl9pPr>
               </a:lstStyle>
               <a:p>
-                <a:pPr algn="ctr"/>
+                <a:pPr algn="ctr">
+                  <a:defRPr lang="ko-KR" altLang="en-US"/>
+                </a:pPr>
                 <a:endParaRPr lang="ko-KR" altLang="en-US"/>
               </a:p>
             </p:txBody>
@@ -8673,14 +8669,8 @@
               </p:cNvPicPr>
               <p:nvPr/>
             </p:nvPicPr>
-            <p:blipFill>
-              <a:blip r:embed="rId2" cstate="print">
-                <a:extLst>
-                  <a:ext uri="{28A0092B-C50C-407E-A947-70E740481C1C}">
-                    <a14:useLocalDpi xmlns:a14="http://schemas.microsoft.com/office/drawing/2010/main" val="0"/>
-                  </a:ext>
-                </a:extLst>
-              </a:blip>
+            <p:blipFill rotWithShape="1">
+              <a:blip r:embed="rId2"/>
               <a:stretch>
                 <a:fillRect/>
               </a:stretch>
@@ -8705,20 +8695,16 @@
         </p:grpSp>
         <p:pic>
           <p:nvPicPr>
-            <p:cNvPr id="12" name="그림 11"/>
+            <p:cNvPr id="12" name="그림 11">
+              <a:hlinkClick r:id="rId3"/>
+            </p:cNvPr>
             <p:cNvPicPr>
               <a:picLocks noChangeAspect="1"/>
             </p:cNvPicPr>
             <p:nvPr/>
           </p:nvPicPr>
-          <p:blipFill>
-            <a:blip r:embed="rId3" cstate="print">
-              <a:extLst>
-                <a:ext uri="{28A0092B-C50C-407E-A947-70E740481C1C}">
-                  <a14:useLocalDpi xmlns:a14="http://schemas.microsoft.com/office/drawing/2010/main" val="0"/>
-                </a:ext>
-              </a:extLst>
-            </a:blip>
+          <p:blipFill rotWithShape="1">
+            <a:blip r:embed="rId4"/>
             <a:stretch>
               <a:fillRect/>
             </a:stretch>
@@ -8781,18 +8767,20 @@
           </a:fontRef>
         </p:style>
         <p:txBody>
-          <a:bodyPr rtlCol="0" anchor="ctr"/>
+          <a:bodyPr anchor="ctr"/>
           <a:lstStyle/>
           <a:p>
-            <a:pPr algn="ctr"/>
-            <a:r>
-              <a:rPr lang="en-US" altLang="ko-KR" sz="8800" dirty="0" smtClean="0">
-                <a:latin typeface="Tw Cen MT" panose="020B0602020104020603" pitchFamily="34" charset="0"/>
+            <a:pPr algn="ctr">
+              <a:defRPr lang="ko-KR" altLang="en-US"/>
+            </a:pPr>
+            <a:r>
+              <a:rPr lang="en-US" altLang="ko-KR" sz="8800">
+                <a:latin typeface="Tw Cen MT"/>
               </a:rPr>
               <a:t>THANK YOU</a:t>
             </a:r>
-            <a:endParaRPr lang="ko-KR" altLang="en-US" sz="8800" dirty="0">
-              <a:latin typeface="Tw Cen MT" panose="020B0602020104020603" pitchFamily="34" charset="0"/>
+            <a:endParaRPr lang="ko-KR" altLang="en-US" sz="8800">
+              <a:latin typeface="Tw Cen MT"/>
             </a:endParaRPr>
           </a:p>
         </p:txBody>
@@ -8819,7 +8807,7 @@
           </a:solidFill>
           <a:ln>
             <a:solidFill>
-              <a:srgbClr val="EFEFEF"/>
+              <a:srgbClr val="efefef"/>
             </a:solidFill>
           </a:ln>
         </p:spPr>
@@ -8840,13 +8828,15 @@
           </a:fontRef>
         </p:style>
         <p:txBody>
-          <a:bodyPr rtlCol="0" anchor="ctr"/>
+          <a:bodyPr anchor="ctr"/>
           <a:lstStyle/>
           <a:p>
-            <a:pPr algn="ctr"/>
-            <a:endParaRPr lang="ko-KR" altLang="en-US" dirty="0">
-              <a:latin typeface="나눔고딕" panose="020D0604000000000000" pitchFamily="50" charset="-127"/>
-              <a:ea typeface="나눔고딕" panose="020D0604000000000000" pitchFamily="50" charset="-127"/>
+            <a:pPr algn="ctr">
+              <a:defRPr lang="ko-KR" altLang="en-US"/>
+            </a:pPr>
+            <a:endParaRPr lang="ko-KR" altLang="en-US">
+              <a:latin typeface="나눔고딕"/>
+              <a:ea typeface="나눔고딕"/>
             </a:endParaRPr>
           </a:p>
         </p:txBody>
@@ -8860,7 +8850,7 @@
         <p:spPr>
           <a:xfrm>
             <a:off x="876300" y="438269"/>
-            <a:ext cx="1919115" cy="584775"/>
+            <a:ext cx="1948815" cy="569476"/>
           </a:xfrm>
           <a:prstGeom prst="rect">
             <a:avLst/>
@@ -8868,14 +8858,17 @@
           <a:noFill/>
         </p:spPr>
         <p:txBody>
-          <a:bodyPr wrap="none" rtlCol="0">
+          <a:bodyPr wrap="none">
             <a:spAutoFit/>
           </a:bodyPr>
           <a:lstStyle/>
           <a:p>
-            <a:r>
-              <a:rPr lang="ko-KR" altLang="en-US" sz="3200" dirty="0" smtClean="0">
-                <a:ln>
+            <a:pPr lvl="0">
+              <a:defRPr lang="ko-KR" altLang="en-US"/>
+            </a:pPr>
+            <a:r>
+              <a:rPr lang="ko-KR" altLang="en-US" sz="3200">
+                <a:ln w="9525">
                   <a:solidFill>
                     <a:schemeClr val="tx1">
                       <a:lumMod val="75000"/>
@@ -8887,13 +8880,13 @@
                 <a:solidFill>
                   <a:schemeClr val="bg1"/>
                 </a:solidFill>
-                <a:latin typeface="Sandoll 고딕Neo1 06 SemiBold" panose="020B0600000101010101" pitchFamily="34" charset="-127"/>
-                <a:ea typeface="Sandoll 고딕Neo1 06 SemiBold" panose="020B0600000101010101" pitchFamily="34" charset="-127"/>
+                <a:latin typeface="Sandoll 고딕Neo1 06 SemiBold"/>
+                <a:ea typeface="Sandoll 고딕Neo1 06 SemiBold"/>
               </a:rPr>
               <a:t>시연 영상</a:t>
             </a:r>
-            <a:endParaRPr lang="ko-KR" altLang="en-US" sz="3200" dirty="0">
-              <a:ln>
+            <a:endParaRPr lang="ko-KR" altLang="en-US" sz="3200">
+              <a:ln w="9525">
                 <a:solidFill>
                   <a:schemeClr val="tx1">
                     <a:lumMod val="75000"/>
@@ -8905,8 +8898,8 @@
               <a:solidFill>
                 <a:schemeClr val="bg1"/>
               </a:solidFill>
-              <a:latin typeface="Sandoll 고딕Neo1 06 SemiBold" panose="020B0600000101010101" pitchFamily="34" charset="-127"/>
-              <a:ea typeface="Sandoll 고딕Neo1 06 SemiBold" panose="020B0600000101010101" pitchFamily="34" charset="-127"/>
+              <a:latin typeface="Sandoll 고딕Neo1 06 SemiBold"/>
+              <a:ea typeface="Sandoll 고딕Neo1 06 SemiBold"/>
             </a:endParaRPr>
           </a:p>
         </p:txBody>
@@ -8954,39 +8947,68 @@
           </a:fontRef>
         </p:style>
         <p:txBody>
-          <a:bodyPr rtlCol="0" anchor="ctr"/>
+          <a:bodyPr anchor="ctr"/>
           <a:lstStyle/>
           <a:p>
-            <a:pPr algn="ctr"/>
+            <a:pPr algn="ctr">
+              <a:defRPr lang="ko-KR" altLang="en-US"/>
+            </a:pPr>
             <a:endParaRPr lang="ko-KR" altLang="en-US">
-              <a:latin typeface="나눔고딕" panose="020D0604000000000000" pitchFamily="50" charset="-127"/>
-              <a:ea typeface="나눔고딕" panose="020D0604000000000000" pitchFamily="50" charset="-127"/>
+              <a:latin typeface="나눔고딕"/>
+              <a:ea typeface="나눔고딕"/>
             </a:endParaRPr>
           </a:p>
         </p:txBody>
       </p:sp>
+      <p:sp>
+        <p:nvSpPr>
+          <p:cNvPr id="15" name=""/>
+          <p:cNvSpPr/>
+          <p:nvPr/>
+        </p:nvSpPr>
+        <p:spPr>
+          <a:xfrm>
+            <a:off x="3603418" y="559129"/>
+            <a:ext cx="5690261" cy="408214"/>
+          </a:xfrm>
+          <a:prstGeom prst="rect">
+            <a:avLst/>
+          </a:prstGeom>
+        </p:spPr>
+        <p:style>
+          <a:lnRef idx="2">
+            <a:schemeClr val="accent1">
+              <a:shade val="20000"/>
+            </a:schemeClr>
+          </a:lnRef>
+          <a:fillRef idx="1">
+            <a:schemeClr val="accent1"/>
+          </a:fillRef>
+          <a:effectRef idx="0">
+            <a:schemeClr val="accent1"/>
+          </a:effectRef>
+          <a:fontRef idx="minor">
+            <a:schemeClr val="lt1"/>
+          </a:fontRef>
+        </p:style>
+        <p:txBody>
+          <a:bodyPr anchor="ctr"/>
+          <a:p>
+            <a:pPr algn="ctr">
+              <a:defRPr lang="ko-KR" altLang="en-US"/>
+            </a:pPr>
+            <a:endParaRPr lang="ko-KR" altLang="en-US"/>
+          </a:p>
+        </p:txBody>
+      </p:sp>
     </p:spTree>
-    <p:extLst>
-      <p:ext uri="{BB962C8B-B14F-4D97-AF65-F5344CB8AC3E}">
-        <p14:creationId xmlns:p14="http://schemas.microsoft.com/office/powerpoint/2010/main" val="2112112010"/>
-      </p:ext>
-    </p:extLst>
   </p:cSld>
   <p:clrMapOvr>
     <a:masterClrMapping/>
   </p:clrMapOvr>
-  <mc:AlternateContent xmlns:mc="http://schemas.openxmlformats.org/markup-compatibility/2006" xmlns:p14="http://schemas.microsoft.com/office/powerpoint/2010/main">
-    <mc:Choice Requires="p14">
-      <p:transition spd="med" p14:dur="700">
-        <p:fade/>
-      </p:transition>
-    </mc:Choice>
-    <mc:Fallback xmlns="">
-      <p:transition spd="med">
-        <p:fade/>
-      </p:transition>
-    </mc:Fallback>
-  </mc:AlternateContent>
+  <p:transition xmlns:mc="http://schemas.openxmlformats.org/markup-compatibility/2006" xmlns:hp="http://schemas.haansoft.com/office/presentation/8.0" mc:Ignorable="hp" hp:hslDur="750">
+    <p:fade/>
+  </p:transition>
   <p:timing>
     <p:tnLst>
       <p:par>
@@ -9069,49 +9091,49 @@
 </file>
 
 <file path=ppt/theme/theme1.xml><?xml version="1.0" encoding="utf-8"?>
-<a:theme xmlns:a="http://schemas.openxmlformats.org/drawingml/2006/main" name="Office 테마">
+<a:theme xmlns:r="http://schemas.openxmlformats.org/officeDocument/2006/relationships" xmlns:c="http://schemas.openxmlformats.org/drawingml/2006/chart" xmlns:dgm="http://schemas.openxmlformats.org/drawingml/2006/diagram" xmlns:dsp="http://schemas.microsoft.com/office/drawing/2008/diagram" xmlns:a="http://schemas.openxmlformats.org/drawingml/2006/main" xmlns:pic="http://schemas.openxmlformats.org/drawingml/2006/picture" xmlns:wp="http://schemas.openxmlformats.org/drawingml/2006/wordprocessingDrawing" xmlns:xdr="http://schemas.openxmlformats.org/drawingml/2006/spreadsheetDrawing" name="Office 테마">
   <a:themeElements>
     <a:clrScheme name="Office">
       <a:dk1>
         <a:sysClr val="windowText" lastClr="000000"/>
       </a:dk1>
       <a:lt1>
-        <a:sysClr val="window" lastClr="FFFFFF"/>
+        <a:sysClr val="window" lastClr="ffffff"/>
       </a:lt1>
       <a:dk2>
-        <a:srgbClr val="44546A"/>
+        <a:srgbClr val="44546a"/>
       </a:dk2>
       <a:lt2>
-        <a:srgbClr val="E7E6E6"/>
+        <a:srgbClr val="e7e6e6"/>
       </a:lt2>
       <a:accent1>
-        <a:srgbClr val="5B9BD5"/>
+        <a:srgbClr val="5b9bd5"/>
       </a:accent1>
       <a:accent2>
-        <a:srgbClr val="ED7D31"/>
+        <a:srgbClr val="ed7d31"/>
       </a:accent2>
       <a:accent3>
-        <a:srgbClr val="A5A5A5"/>
+        <a:srgbClr val="a5a5a5"/>
       </a:accent3>
       <a:accent4>
-        <a:srgbClr val="FFC000"/>
+        <a:srgbClr val="ffc000"/>
       </a:accent4>
       <a:accent5>
-        <a:srgbClr val="4472C4"/>
+        <a:srgbClr val="4472c4"/>
       </a:accent5>
       <a:accent6>
-        <a:srgbClr val="70AD47"/>
+        <a:srgbClr val="70ad47"/>
       </a:accent6>
       <a:hlink>
-        <a:srgbClr val="0563C1"/>
+        <a:srgbClr val="0563c1"/>
       </a:hlink>
       <a:folHlink>
-        <a:srgbClr val="954F72"/>
+        <a:srgbClr val="954f72"/>
       </a:folHlink>
     </a:clrScheme>
     <a:fontScheme name="Office">
       <a:majorFont>
-        <a:latin typeface="맑은 고딕" panose="020F0302020204030204"/>
+        <a:latin typeface="맑은 고딕" panose="20"/>
         <a:ea typeface=""/>
         <a:cs typeface=""/>
         <a:font script="Jpan" typeface="游ゴシック Light"/>
@@ -9163,7 +9185,7 @@
         <a:font script="Tfng" typeface="Ebrima"/>
       </a:majorFont>
       <a:minorFont>
-        <a:latin typeface="맑은 고딕" panose="020F0502020204030204"/>
+        <a:latin typeface="맑은 고딕" panose="20"/>
         <a:ea typeface=""/>
         <a:cs typeface=""/>
         <a:font script="Jpan" typeface="游ゴシック"/>
@@ -9279,21 +9301,21 @@
             <a:schemeClr val="phClr"/>
           </a:solidFill>
           <a:prstDash val="solid"/>
-          <a:miter lim="800000"/>
+          <a:miter/>
         </a:ln>
         <a:ln w="12700" cap="flat" cmpd="sng" algn="ctr">
           <a:solidFill>
             <a:schemeClr val="phClr"/>
           </a:solidFill>
           <a:prstDash val="solid"/>
-          <a:miter lim="800000"/>
+          <a:miter/>
         </a:ln>
         <a:ln w="19050" cap="flat" cmpd="sng" algn="ctr">
           <a:solidFill>
             <a:schemeClr val="phClr"/>
           </a:solidFill>
           <a:prstDash val="solid"/>
-          <a:miter lim="800000"/>
+          <a:miter/>
         </a:ln>
       </a:lnStyleLst>
       <a:effectStyleLst>
@@ -9353,12 +9375,5 @@
       </a:bgFillStyleLst>
     </a:fmtScheme>
   </a:themeElements>
-  <a:objectDefaults/>
-  <a:extraClrSchemeLst/>
-  <a:extLst>
-    <a:ext uri="{05A4C25C-085E-4340-85A3-A5531E510DB2}">
-      <thm15:themeFamily xmlns:thm15="http://schemas.microsoft.com/office/thememl/2012/main" name="Office Theme" id="{62F939B6-93AF-4DB8-9C6B-D6C7DFDC589F}" vid="{4A3C46E8-61CC-4603-A589-7422A47A8E4A}"/>
-    </a:ext>
-  </a:extLst>
 </a:theme>
 </file>